--- a/Novice Machine Learning E2E Project- Step 01.pptx
+++ b/Novice Machine Learning E2E Project- Step 01.pptx
@@ -220,7 +220,7 @@
           <a:p>
             <a:fld id="{E5CB2E47-6F41-409B-AD22-834AE1EFF186}" type="datetimeFigureOut">
               <a:rPr lang="en-US" smtClean="0"/>
-              <a:t>26-Aug-19</a:t>
+              <a:t>27-Aug-19</a:t>
             </a:fld>
             <a:endParaRPr lang="en-US" dirty="0"/>
           </a:p>
@@ -385,7 +385,7 @@
           <a:p>
             <a:fld id="{FAD6744A-403D-42A1-BFE7-61DA46EE7C6C}" type="datetimeFigureOut">
               <a:rPr lang="en-US" smtClean="0"/>
-              <a:t>26-Aug-19</a:t>
+              <a:t>27-Aug-19</a:t>
             </a:fld>
             <a:endParaRPr lang="en-US" dirty="0"/>
           </a:p>
@@ -838,7 +838,7 @@
           <a:p>
             <a:fld id="{349BF3EA-1A78-4F07-BDC0-C8A1BD461199}" type="datetimeFigureOut">
               <a:rPr lang="en-US" smtClean="0"/>
-              <a:t>26-Aug-19</a:t>
+              <a:t>27-Aug-19</a:t>
             </a:fld>
             <a:endParaRPr lang="en-US" dirty="0"/>
           </a:p>
@@ -1164,7 +1164,7 @@
           <a:p>
             <a:fld id="{349BF3EA-1A78-4F07-BDC0-C8A1BD461199}" type="datetimeFigureOut">
               <a:rPr lang="en-US" smtClean="0"/>
-              <a:t>26-Aug-19</a:t>
+              <a:t>27-Aug-19</a:t>
             </a:fld>
             <a:endParaRPr lang="en-US" dirty="0"/>
           </a:p>
@@ -1367,7 +1367,7 @@
           <a:p>
             <a:fld id="{349BF3EA-1A78-4F07-BDC0-C8A1BD461199}" type="datetimeFigureOut">
               <a:rPr lang="en-US" smtClean="0"/>
-              <a:t>26-Aug-19</a:t>
+              <a:t>27-Aug-19</a:t>
             </a:fld>
             <a:endParaRPr lang="en-US" dirty="0"/>
           </a:p>
@@ -1639,7 +1639,7 @@
           <a:p>
             <a:fld id="{349BF3EA-1A78-4F07-BDC0-C8A1BD461199}" type="datetimeFigureOut">
               <a:rPr lang="en-US" smtClean="0"/>
-              <a:t>26-Aug-19</a:t>
+              <a:t>27-Aug-19</a:t>
             </a:fld>
             <a:endParaRPr lang="en-US" dirty="0"/>
           </a:p>
@@ -2074,7 +2074,7 @@
           <a:p>
             <a:fld id="{349BF3EA-1A78-4F07-BDC0-C8A1BD461199}" type="datetimeFigureOut">
               <a:rPr lang="en-US" smtClean="0"/>
-              <a:t>26-Aug-19</a:t>
+              <a:t>27-Aug-19</a:t>
             </a:fld>
             <a:endParaRPr lang="en-US" dirty="0"/>
           </a:p>
@@ -2622,7 +2622,7 @@
           <a:p>
             <a:fld id="{349BF3EA-1A78-4F07-BDC0-C8A1BD461199}" type="datetimeFigureOut">
               <a:rPr lang="en-US" smtClean="0"/>
-              <a:t>26-Aug-19</a:t>
+              <a:t>27-Aug-19</a:t>
             </a:fld>
             <a:endParaRPr lang="en-US" dirty="0"/>
           </a:p>
@@ -3497,7 +3497,7 @@
           <a:p>
             <a:fld id="{349BF3EA-1A78-4F07-BDC0-C8A1BD461199}" type="datetimeFigureOut">
               <a:rPr lang="en-US" smtClean="0"/>
-              <a:t>26-Aug-19</a:t>
+              <a:t>27-Aug-19</a:t>
             </a:fld>
             <a:endParaRPr lang="en-US" dirty="0"/>
           </a:p>
@@ -3678,7 +3678,7 @@
           <a:p>
             <a:fld id="{349BF3EA-1A78-4F07-BDC0-C8A1BD461199}" type="datetimeFigureOut">
               <a:rPr lang="en-US" smtClean="0"/>
-              <a:t>26-Aug-19</a:t>
+              <a:t>27-Aug-19</a:t>
             </a:fld>
             <a:endParaRPr lang="en-US" dirty="0"/>
           </a:p>
@@ -3885,7 +3885,7 @@
           <a:p>
             <a:fld id="{349BF3EA-1A78-4F07-BDC0-C8A1BD461199}" type="datetimeFigureOut">
               <a:rPr lang="en-US" smtClean="0"/>
-              <a:t>26-Aug-19</a:t>
+              <a:t>27-Aug-19</a:t>
             </a:fld>
             <a:endParaRPr lang="en-US" dirty="0"/>
           </a:p>
@@ -4083,7 +4083,7 @@
           <a:p>
             <a:fld id="{349BF3EA-1A78-4F07-BDC0-C8A1BD461199}" type="datetimeFigureOut">
               <a:rPr lang="en-US" smtClean="0"/>
-              <a:t>26-Aug-19</a:t>
+              <a:t>27-Aug-19</a:t>
             </a:fld>
             <a:endParaRPr lang="en-US" dirty="0"/>
           </a:p>
@@ -4350,7 +4350,7 @@
           <a:p>
             <a:fld id="{349BF3EA-1A78-4F07-BDC0-C8A1BD461199}" type="datetimeFigureOut">
               <a:rPr lang="en-US" smtClean="0"/>
-              <a:t>26-Aug-19</a:t>
+              <a:t>27-Aug-19</a:t>
             </a:fld>
             <a:endParaRPr lang="en-US" dirty="0"/>
           </a:p>
@@ -4614,7 +4614,7 @@
           <a:p>
             <a:fld id="{349BF3EA-1A78-4F07-BDC0-C8A1BD461199}" type="datetimeFigureOut">
               <a:rPr lang="en-US" smtClean="0"/>
-              <a:t>26-Aug-19</a:t>
+              <a:t>27-Aug-19</a:t>
             </a:fld>
             <a:endParaRPr lang="en-US" dirty="0"/>
           </a:p>
@@ -5103,7 +5103,7 @@
           <a:p>
             <a:fld id="{349BF3EA-1A78-4F07-BDC0-C8A1BD461199}" type="datetimeFigureOut">
               <a:rPr lang="en-US" smtClean="0"/>
-              <a:t>26-Aug-19</a:t>
+              <a:t>27-Aug-19</a:t>
             </a:fld>
             <a:endParaRPr lang="en-US" dirty="0"/>
           </a:p>
@@ -5244,7 +5244,7 @@
           <a:p>
             <a:fld id="{349BF3EA-1A78-4F07-BDC0-C8A1BD461199}" type="datetimeFigureOut">
               <a:rPr lang="en-US" smtClean="0"/>
-              <a:t>26-Aug-19</a:t>
+              <a:t>27-Aug-19</a:t>
             </a:fld>
             <a:endParaRPr lang="en-US" dirty="0"/>
           </a:p>
@@ -5362,7 +5362,7 @@
           <a:p>
             <a:fld id="{349BF3EA-1A78-4F07-BDC0-C8A1BD461199}" type="datetimeFigureOut">
               <a:rPr lang="en-US" smtClean="0"/>
-              <a:t>26-Aug-19</a:t>
+              <a:t>27-Aug-19</a:t>
             </a:fld>
             <a:endParaRPr lang="en-US" dirty="0"/>
           </a:p>
@@ -5640,7 +5640,7 @@
           <a:p>
             <a:fld id="{349BF3EA-1A78-4F07-BDC0-C8A1BD461199}" type="datetimeFigureOut">
               <a:rPr lang="en-US" smtClean="0"/>
-              <a:t>26-Aug-19</a:t>
+              <a:t>27-Aug-19</a:t>
             </a:fld>
             <a:endParaRPr lang="en-US" dirty="0"/>
           </a:p>
@@ -5963,7 +5963,7 @@
           <a:p>
             <a:fld id="{349BF3EA-1A78-4F07-BDC0-C8A1BD461199}" type="datetimeFigureOut">
               <a:rPr lang="en-US" smtClean="0"/>
-              <a:t>26-Aug-19</a:t>
+              <a:t>27-Aug-19</a:t>
             </a:fld>
             <a:endParaRPr lang="en-US" dirty="0"/>
           </a:p>
@@ -6220,7 +6220,7 @@
           <a:p>
             <a:fld id="{349BF3EA-1A78-4F07-BDC0-C8A1BD461199}" type="datetimeFigureOut">
               <a:rPr lang="en-US" smtClean="0"/>
-              <a:t>26-Aug-19</a:t>
+              <a:t>27-Aug-19</a:t>
             </a:fld>
             <a:endParaRPr lang="en-US" dirty="0"/>
           </a:p>
@@ -7088,13 +7088,7 @@
               <a:rPr lang="en-US" sz="3600" dirty="0" smtClean="0">
                 <a:latin typeface="Copperplate Gothic Bold" panose="020E0705020206020404" pitchFamily="34" charset="0"/>
               </a:rPr>
-              <a:t>Part </a:t>
-            </a:r>
-            <a:r>
-              <a:rPr lang="en-US" sz="3600" dirty="0" smtClean="0">
-                <a:latin typeface="Copperplate Gothic Bold" panose="020E0705020206020404" pitchFamily="34" charset="0"/>
-              </a:rPr>
-              <a:t>01</a:t>
+              <a:t>Part 01</a:t>
             </a:r>
           </a:p>
           <a:p>
@@ -7200,23 +7194,7 @@
                   <a:srgbClr val="FFFF00"/>
                 </a:solidFill>
               </a:rPr>
-              <a:t>Few </a:t>
-            </a:r>
-            <a:r>
-              <a:rPr lang="en-US" dirty="0" smtClean="0">
-                <a:solidFill>
-                  <a:srgbClr val="FFFF00"/>
-                </a:solidFill>
-              </a:rPr>
-              <a:t>points </a:t>
-            </a:r>
-            <a:r>
-              <a:rPr lang="en-US" dirty="0" smtClean="0">
-                <a:solidFill>
-                  <a:srgbClr val="FFFF00"/>
-                </a:solidFill>
-              </a:rPr>
-              <a:t>on this Book !</a:t>
+              <a:t>Few points on this Book !</a:t>
             </a:r>
             <a:endParaRPr lang="en-US" dirty="0">
               <a:solidFill>
@@ -8134,6 +8112,13 @@
   <p:clrMapOvr>
     <a:masterClrMapping/>
   </p:clrMapOvr>
+  <p:timing>
+    <p:tnLst>
+      <p:par>
+        <p:cTn id="1" dur="indefinite" restart="never" nodeType="tmRoot"/>
+      </p:par>
+    </p:tnLst>
+  </p:timing>
 </p:sld>
 </file>
 
